--- a/CPE Electives (1 - 3)/01. Lectures Notebook/00. Presentations & Text Books/01. Electives 1 to 3/06.1 Rolling & Expanding.pptx
+++ b/CPE Electives (1 - 3)/01. Lectures Notebook/00. Presentations & Text Books/01. Electives 1 to 3/06.1 Rolling & Expanding.pptx
@@ -237,7 +237,7 @@
           <a:p>
             <a:fld id="{3B6B94FD-5702-4F25-9A4D-07294FF3292C}" type="datetimeFigureOut">
               <a:rPr lang="en-PH" smtClean="0"/>
-              <a:t>19 Feb 2025</a:t>
+              <a:t>21 Feb 2025</a:t>
             </a:fld>
             <a:endParaRPr lang="en-PH"/>
           </a:p>
@@ -402,7 +402,7 @@
           <a:p>
             <a:fld id="{8365AC51-C568-4371-A28D-D14CF2BCF8BA}" type="datetimeFigureOut">
               <a:rPr lang="en-US" smtClean="0"/>
-              <a:t>2/19/2025</a:t>
+              <a:t>2/21/2025</a:t>
             </a:fld>
             <a:endParaRPr lang="en-US"/>
           </a:p>
@@ -5284,8 +5284,8 @@
           <a:chExt cx="0" cy="0"/>
         </a:xfrm>
       </p:grpSpPr>
-      <mc:AlternateContent xmlns:mc="http://schemas.openxmlformats.org/markup-compatibility/2006">
-        <mc:Choice xmlns:a14="http://schemas.microsoft.com/office/drawing/2010/main" Requires="a14">
+      <mc:AlternateContent xmlns:mc="http://schemas.openxmlformats.org/markup-compatibility/2006" xmlns:a14="http://schemas.microsoft.com/office/drawing/2010/main">
+        <mc:Choice Requires="a14">
           <p:sp>
             <p:nvSpPr>
               <p:cNvPr id="4" name="TextBox 3"/>
@@ -5545,7 +5545,7 @@
             </p:txBody>
           </p:sp>
         </mc:Choice>
-        <mc:Fallback>
+        <mc:Fallback xmlns="">
           <p:sp>
             <p:nvSpPr>
               <p:cNvPr id="4" name="TextBox 3"/>
@@ -5620,8 +5620,8 @@
           </a:prstGeom>
         </p:spPr>
       </p:pic>
-      <mc:AlternateContent xmlns:mc="http://schemas.openxmlformats.org/markup-compatibility/2006">
-        <mc:Choice xmlns:a14="http://schemas.microsoft.com/office/drawing/2010/main" Requires="a14">
+      <mc:AlternateContent xmlns:mc="http://schemas.openxmlformats.org/markup-compatibility/2006" xmlns:a14="http://schemas.microsoft.com/office/drawing/2010/main">
+        <mc:Choice Requires="a14">
           <p:sp>
             <p:nvSpPr>
               <p:cNvPr id="6" name="TextBox 5">
@@ -5847,7 +5847,7 @@
             </p:txBody>
           </p:sp>
         </mc:Choice>
-        <mc:Fallback>
+        <mc:Fallback xmlns="">
           <p:sp>
             <p:nvSpPr>
               <p:cNvPr id="6" name="TextBox 5">
